--- a/lectures/Lecture 2 - Data Modeling.pptx
+++ b/lectures/Lecture 2 - Data Modeling.pptx
@@ -22100,6 +22100,47 @@
           </a:p>
         </p:txBody>
       </p:sp>
+      <p:pic>
+        <p:nvPicPr>
+          <p:cNvPr id="4" name="Picture 2" descr="https://lh4.googleusercontent.com/S34j9hYJ8iTSslnIDUFC_cQaOdCUdUs5cW3t21ic_4ic5DHHl_aK0no9srRbSwtlsTRhUYr2bOsLpnmRf1uEJPQipsfhVO_TuuR2rDxrkMhyRKTRh-eYWTQJtIaKLQqGMIdFtuneauA"/>
+          <p:cNvPicPr>
+            <a:picLocks noChangeAspect="1" noChangeArrowheads="1"/>
+          </p:cNvPicPr>
+          <p:nvPr/>
+        </p:nvPicPr>
+        <p:blipFill>
+          <a:blip r:embed="rId4">
+            <a:extLst>
+              <a:ext uri="{28A0092B-C50C-407E-A947-70E740481C1C}">
+                <a14:useLocalDpi xmlns:a14="http://schemas.microsoft.com/office/drawing/2010/main" val="0"/>
+              </a:ext>
+            </a:extLst>
+          </a:blip>
+          <a:srcRect/>
+          <a:stretch>
+            <a:fillRect/>
+          </a:stretch>
+        </p:blipFill>
+        <p:spPr bwMode="auto">
+          <a:xfrm>
+            <a:off x="4800600" y="0"/>
+            <a:ext cx="4343400" cy="2571750"/>
+          </a:xfrm>
+          <a:prstGeom prst="rect">
+            <a:avLst/>
+          </a:prstGeom>
+          <a:noFill/>
+          <a:extLst>
+            <a:ext uri="{909E8E84-426E-40DD-AFC4-6F175D3DCCD1}">
+              <a14:hiddenFill xmlns:a14="http://schemas.microsoft.com/office/drawing/2010/main">
+                <a:solidFill>
+                  <a:srgbClr val="FFFFFF"/>
+                </a:solidFill>
+              </a14:hiddenFill>
+            </a:ext>
+          </a:extLst>
+        </p:spPr>
+      </p:pic>
     </p:spTree>
   </p:cSld>
   <p:clrMapOvr>
@@ -25588,14 +25629,14 @@
           <a:effectLst/>
           <a:extLst>
             <a:ext uri="{909E8E84-426E-40dd-AFC4-6F175D3DCCD1}">
-              <a14:hiddenFill xmlns="" xmlns:a14="http://schemas.microsoft.com/office/drawing/2010/main">
+              <a14:hiddenFill xmlns:a14="http://schemas.microsoft.com/office/drawing/2010/main" xmlns="">
                 <a:solidFill>
                   <a:srgbClr val="FFFFFF"/>
                 </a:solidFill>
               </a14:hiddenFill>
             </a:ext>
             <a:ext uri="{91240B29-F687-4f45-9708-019B960494DF}">
-              <a14:hiddenLine xmlns="" xmlns:a14="http://schemas.microsoft.com/office/drawing/2010/main" w="12700" cap="flat" cmpd="sng">
+              <a14:hiddenLine xmlns:a14="http://schemas.microsoft.com/office/drawing/2010/main" xmlns="" w="12700" cap="flat" cmpd="sng">
                 <a:solidFill>
                   <a:srgbClr val="000000"/>
                 </a:solidFill>
@@ -25606,7 +25647,7 @@
               </a14:hiddenLine>
             </a:ext>
             <a:ext uri="{AF507438-7753-43e0-B8FC-AC1667EBCBE1}">
-              <a14:hiddenEffects xmlns="" xmlns:a14="http://schemas.microsoft.com/office/drawing/2010/main">
+              <a14:hiddenEffects xmlns:a14="http://schemas.microsoft.com/office/drawing/2010/main" xmlns="">
                 <a:effectLst>
                   <a:outerShdw blurRad="63500" dist="38099" dir="2700000" algn="ctr" rotWithShape="0">
                     <a:srgbClr val="000000">
@@ -25783,14 +25824,14 @@
           <a:effectLst/>
           <a:extLst>
             <a:ext uri="{909E8E84-426E-40dd-AFC4-6F175D3DCCD1}">
-              <a14:hiddenFill xmlns="" xmlns:a14="http://schemas.microsoft.com/office/drawing/2010/main">
+              <a14:hiddenFill xmlns:a14="http://schemas.microsoft.com/office/drawing/2010/main" xmlns="">
                 <a:solidFill>
                   <a:srgbClr val="FFFFFF"/>
                 </a:solidFill>
               </a14:hiddenFill>
             </a:ext>
             <a:ext uri="{91240B29-F687-4f45-9708-019B960494DF}">
-              <a14:hiddenLine xmlns="" xmlns:a14="http://schemas.microsoft.com/office/drawing/2010/main" w="12700" cap="flat" cmpd="sng">
+              <a14:hiddenLine xmlns:a14="http://schemas.microsoft.com/office/drawing/2010/main" xmlns="" w="12700" cap="flat" cmpd="sng">
                 <a:solidFill>
                   <a:srgbClr val="000000"/>
                 </a:solidFill>
@@ -25801,7 +25842,7 @@
               </a14:hiddenLine>
             </a:ext>
             <a:ext uri="{AF507438-7753-43e0-B8FC-AC1667EBCBE1}">
-              <a14:hiddenEffects xmlns="" xmlns:a14="http://schemas.microsoft.com/office/drawing/2010/main">
+              <a14:hiddenEffects xmlns:a14="http://schemas.microsoft.com/office/drawing/2010/main" xmlns="">
                 <a:effectLst>
                   <a:outerShdw blurRad="63500" dist="38099" dir="2700000" algn="ctr" rotWithShape="0">
                     <a:srgbClr val="000000">
@@ -26094,14 +26135,14 @@
           <a:effectLst/>
           <a:extLst>
             <a:ext uri="{909E8E84-426E-40dd-AFC4-6F175D3DCCD1}">
-              <a14:hiddenFill xmlns="" xmlns:a14="http://schemas.microsoft.com/office/drawing/2010/main">
+              <a14:hiddenFill xmlns:a14="http://schemas.microsoft.com/office/drawing/2010/main" xmlns="">
                 <a:solidFill>
                   <a:srgbClr val="FFFFFF"/>
                 </a:solidFill>
               </a14:hiddenFill>
             </a:ext>
             <a:ext uri="{91240B29-F687-4f45-9708-019B960494DF}">
-              <a14:hiddenLine xmlns="" xmlns:a14="http://schemas.microsoft.com/office/drawing/2010/main" w="12700" cap="flat" cmpd="sng">
+              <a14:hiddenLine xmlns:a14="http://schemas.microsoft.com/office/drawing/2010/main" xmlns="" w="12700" cap="flat" cmpd="sng">
                 <a:solidFill>
                   <a:srgbClr val="000000"/>
                 </a:solidFill>
@@ -26112,7 +26153,7 @@
               </a14:hiddenLine>
             </a:ext>
             <a:ext uri="{AF507438-7753-43e0-B8FC-AC1667EBCBE1}">
-              <a14:hiddenEffects xmlns="" xmlns:a14="http://schemas.microsoft.com/office/drawing/2010/main">
+              <a14:hiddenEffects xmlns:a14="http://schemas.microsoft.com/office/drawing/2010/main" xmlns="">
                 <a:effectLst>
                   <a:outerShdw blurRad="63500" dist="38099" dir="2700000" algn="ctr" rotWithShape="0">
                     <a:srgbClr val="000000">
@@ -27577,14 +27618,14 @@
           <a:effectLst/>
           <a:extLst>
             <a:ext uri="{909E8E84-426E-40dd-AFC4-6F175D3DCCD1}">
-              <a14:hiddenFill xmlns="" xmlns:a14="http://schemas.microsoft.com/office/drawing/2010/main">
+              <a14:hiddenFill xmlns:a14="http://schemas.microsoft.com/office/drawing/2010/main" xmlns="">
                 <a:solidFill>
                   <a:srgbClr val="FFFFFF"/>
                 </a:solidFill>
               </a14:hiddenFill>
             </a:ext>
             <a:ext uri="{91240B29-F687-4f45-9708-019B960494DF}">
-              <a14:hiddenLine xmlns="" xmlns:a14="http://schemas.microsoft.com/office/drawing/2010/main" w="12700" cap="flat" cmpd="sng">
+              <a14:hiddenLine xmlns:a14="http://schemas.microsoft.com/office/drawing/2010/main" xmlns="" w="12700" cap="flat" cmpd="sng">
                 <a:solidFill>
                   <a:srgbClr val="000000"/>
                 </a:solidFill>
@@ -27595,7 +27636,7 @@
               </a14:hiddenLine>
             </a:ext>
             <a:ext uri="{AF507438-7753-43e0-B8FC-AC1667EBCBE1}">
-              <a14:hiddenEffects xmlns="" xmlns:a14="http://schemas.microsoft.com/office/drawing/2010/main">
+              <a14:hiddenEffects xmlns:a14="http://schemas.microsoft.com/office/drawing/2010/main" xmlns="">
                 <a:effectLst>
                   <a:outerShdw blurRad="63500" dist="38099" dir="2700000" algn="ctr" rotWithShape="0">
                     <a:srgbClr val="000000">
@@ -28850,14 +28891,14 @@
           <a:effectLst/>
           <a:extLst>
             <a:ext uri="{909E8E84-426E-40dd-AFC4-6F175D3DCCD1}">
-              <a14:hiddenFill xmlns="" xmlns:a14="http://schemas.microsoft.com/office/drawing/2010/main">
+              <a14:hiddenFill xmlns:a14="http://schemas.microsoft.com/office/drawing/2010/main" xmlns="">
                 <a:solidFill>
                   <a:srgbClr val="FFFFFF"/>
                 </a:solidFill>
               </a14:hiddenFill>
             </a:ext>
             <a:ext uri="{91240B29-F687-4f45-9708-019B960494DF}">
-              <a14:hiddenLine xmlns="" xmlns:a14="http://schemas.microsoft.com/office/drawing/2010/main" w="12700" cap="flat" cmpd="sng">
+              <a14:hiddenLine xmlns:a14="http://schemas.microsoft.com/office/drawing/2010/main" xmlns="" w="12700" cap="flat" cmpd="sng">
                 <a:solidFill>
                   <a:srgbClr val="000000"/>
                 </a:solidFill>
@@ -28868,7 +28909,7 @@
               </a14:hiddenLine>
             </a:ext>
             <a:ext uri="{AF507438-7753-43e0-B8FC-AC1667EBCBE1}">
-              <a14:hiddenEffects xmlns="" xmlns:a14="http://schemas.microsoft.com/office/drawing/2010/main">
+              <a14:hiddenEffects xmlns:a14="http://schemas.microsoft.com/office/drawing/2010/main" xmlns="">
                 <a:effectLst>
                   <a:outerShdw blurRad="63500" dist="38099" dir="2700000" algn="ctr" rotWithShape="0">
                     <a:srgbClr val="000000">
@@ -30486,14 +30527,14 @@
           <a:effectLst/>
           <a:extLst>
             <a:ext uri="{909E8E84-426E-40dd-AFC4-6F175D3DCCD1}">
-              <a14:hiddenFill xmlns="" xmlns:a14="http://schemas.microsoft.com/office/drawing/2010/main">
+              <a14:hiddenFill xmlns:a14="http://schemas.microsoft.com/office/drawing/2010/main" xmlns="">
                 <a:solidFill>
                   <a:srgbClr val="FFFFFF"/>
                 </a:solidFill>
               </a14:hiddenFill>
             </a:ext>
             <a:ext uri="{91240B29-F687-4f45-9708-019B960494DF}">
-              <a14:hiddenLine xmlns="" xmlns:a14="http://schemas.microsoft.com/office/drawing/2010/main" w="12700" cap="flat" cmpd="sng">
+              <a14:hiddenLine xmlns:a14="http://schemas.microsoft.com/office/drawing/2010/main" xmlns="" w="12700" cap="flat" cmpd="sng">
                 <a:solidFill>
                   <a:srgbClr val="000000"/>
                 </a:solidFill>
@@ -30504,7 +30545,7 @@
               </a14:hiddenLine>
             </a:ext>
             <a:ext uri="{AF507438-7753-43e0-B8FC-AC1667EBCBE1}">
-              <a14:hiddenEffects xmlns="" xmlns:a14="http://schemas.microsoft.com/office/drawing/2010/main">
+              <a14:hiddenEffects xmlns:a14="http://schemas.microsoft.com/office/drawing/2010/main" xmlns="">
                 <a:effectLst>
                   <a:outerShdw blurRad="63500" dist="38099" dir="2700000" algn="ctr" rotWithShape="0">
                     <a:srgbClr val="000000">
@@ -32059,14 +32100,14 @@
           <a:effectLst/>
           <a:extLst>
             <a:ext uri="{909E8E84-426E-40dd-AFC4-6F175D3DCCD1}">
-              <a14:hiddenFill xmlns="" xmlns:a14="http://schemas.microsoft.com/office/drawing/2010/main">
+              <a14:hiddenFill xmlns:a14="http://schemas.microsoft.com/office/drawing/2010/main" xmlns="">
                 <a:solidFill>
                   <a:srgbClr val="FFFFFF"/>
                 </a:solidFill>
               </a14:hiddenFill>
             </a:ext>
             <a:ext uri="{91240B29-F687-4f45-9708-019B960494DF}">
-              <a14:hiddenLine xmlns="" xmlns:a14="http://schemas.microsoft.com/office/drawing/2010/main" w="12700" cap="flat" cmpd="sng">
+              <a14:hiddenLine xmlns:a14="http://schemas.microsoft.com/office/drawing/2010/main" xmlns="" w="12700" cap="flat" cmpd="sng">
                 <a:solidFill>
                   <a:srgbClr val="000000"/>
                 </a:solidFill>
@@ -32077,7 +32118,7 @@
               </a14:hiddenLine>
             </a:ext>
             <a:ext uri="{AF507438-7753-43e0-B8FC-AC1667EBCBE1}">
-              <a14:hiddenEffects xmlns="" xmlns:a14="http://schemas.microsoft.com/office/drawing/2010/main">
+              <a14:hiddenEffects xmlns:a14="http://schemas.microsoft.com/office/drawing/2010/main" xmlns="">
                 <a:effectLst>
                   <a:outerShdw blurRad="63500" dist="38099" dir="2700000" algn="ctr" rotWithShape="0">
                     <a:srgbClr val="000000">
@@ -33703,14 +33744,14 @@
           <a:effectLst/>
           <a:extLst>
             <a:ext uri="{909E8E84-426E-40dd-AFC4-6F175D3DCCD1}">
-              <a14:hiddenFill xmlns="" xmlns:a14="http://schemas.microsoft.com/office/drawing/2010/main">
+              <a14:hiddenFill xmlns:a14="http://schemas.microsoft.com/office/drawing/2010/main" xmlns="">
                 <a:solidFill>
                   <a:srgbClr val="FFFFFF"/>
                 </a:solidFill>
               </a14:hiddenFill>
             </a:ext>
             <a:ext uri="{91240B29-F687-4f45-9708-019B960494DF}">
-              <a14:hiddenLine xmlns="" xmlns:a14="http://schemas.microsoft.com/office/drawing/2010/main" w="12700" cap="flat" cmpd="sng">
+              <a14:hiddenLine xmlns:a14="http://schemas.microsoft.com/office/drawing/2010/main" xmlns="" w="12700" cap="flat" cmpd="sng">
                 <a:solidFill>
                   <a:srgbClr val="000000"/>
                 </a:solidFill>
@@ -33721,7 +33762,7 @@
               </a14:hiddenLine>
             </a:ext>
             <a:ext uri="{AF507438-7753-43e0-B8FC-AC1667EBCBE1}">
-              <a14:hiddenEffects xmlns="" xmlns:a14="http://schemas.microsoft.com/office/drawing/2010/main">
+              <a14:hiddenEffects xmlns:a14="http://schemas.microsoft.com/office/drawing/2010/main" xmlns="">
                 <a:effectLst>
                   <a:outerShdw blurRad="63500" dist="38099" dir="2700000" algn="ctr" rotWithShape="0">
                     <a:srgbClr val="000000">
@@ -35375,14 +35416,14 @@
           <a:effectLst/>
           <a:extLst>
             <a:ext uri="{909E8E84-426E-40dd-AFC4-6F175D3DCCD1}">
-              <a14:hiddenFill xmlns="" xmlns:a14="http://schemas.microsoft.com/office/drawing/2010/main">
+              <a14:hiddenFill xmlns:a14="http://schemas.microsoft.com/office/drawing/2010/main" xmlns="">
                 <a:solidFill>
                   <a:schemeClr val="accent1"/>
                 </a:solidFill>
               </a14:hiddenFill>
             </a:ext>
             <a:ext uri="{91240B29-F687-4f45-9708-019B960494DF}">
-              <a14:hiddenLine xmlns="" xmlns:a14="http://schemas.microsoft.com/office/drawing/2010/main" w="9525">
+              <a14:hiddenLine xmlns:a14="http://schemas.microsoft.com/office/drawing/2010/main" xmlns="" w="9525">
                 <a:solidFill>
                   <a:schemeClr val="tx1"/>
                 </a:solidFill>
@@ -35392,7 +35433,7 @@
               </a14:hiddenLine>
             </a:ext>
             <a:ext uri="{AF507438-7753-43e0-B8FC-AC1667EBCBE1}">
-              <a14:hiddenEffects xmlns="" xmlns:a14="http://schemas.microsoft.com/office/drawing/2010/main">
+              <a14:hiddenEffects xmlns:a14="http://schemas.microsoft.com/office/drawing/2010/main" xmlns="">
                 <a:effectLst>
                   <a:outerShdw dist="35921" dir="2700000" algn="ctr" rotWithShape="0">
                     <a:schemeClr val="bg2"/>

--- a/lectures/Lecture 2 - Data Modeling.pptx
+++ b/lectures/Lecture 2 - Data Modeling.pptx
@@ -25629,14 +25629,14 @@
           <a:effectLst/>
           <a:extLst>
             <a:ext uri="{909E8E84-426E-40dd-AFC4-6F175D3DCCD1}">
-              <a14:hiddenFill xmlns:a14="http://schemas.microsoft.com/office/drawing/2010/main" xmlns="">
+              <a14:hiddenFill xmlns="" xmlns:a14="http://schemas.microsoft.com/office/drawing/2010/main">
                 <a:solidFill>
                   <a:srgbClr val="FFFFFF"/>
                 </a:solidFill>
               </a14:hiddenFill>
             </a:ext>
             <a:ext uri="{91240B29-F687-4f45-9708-019B960494DF}">
-              <a14:hiddenLine xmlns:a14="http://schemas.microsoft.com/office/drawing/2010/main" xmlns="" w="12700" cap="flat" cmpd="sng">
+              <a14:hiddenLine xmlns="" xmlns:a14="http://schemas.microsoft.com/office/drawing/2010/main" w="12700" cap="flat" cmpd="sng">
                 <a:solidFill>
                   <a:srgbClr val="000000"/>
                 </a:solidFill>
@@ -25647,7 +25647,7 @@
               </a14:hiddenLine>
             </a:ext>
             <a:ext uri="{AF507438-7753-43e0-B8FC-AC1667EBCBE1}">
-              <a14:hiddenEffects xmlns:a14="http://schemas.microsoft.com/office/drawing/2010/main" xmlns="">
+              <a14:hiddenEffects xmlns="" xmlns:a14="http://schemas.microsoft.com/office/drawing/2010/main">
                 <a:effectLst>
                   <a:outerShdw blurRad="63500" dist="38099" dir="2700000" algn="ctr" rotWithShape="0">
                     <a:srgbClr val="000000">
@@ -25824,14 +25824,14 @@
           <a:effectLst/>
           <a:extLst>
             <a:ext uri="{909E8E84-426E-40dd-AFC4-6F175D3DCCD1}">
-              <a14:hiddenFill xmlns:a14="http://schemas.microsoft.com/office/drawing/2010/main" xmlns="">
+              <a14:hiddenFill xmlns="" xmlns:a14="http://schemas.microsoft.com/office/drawing/2010/main">
                 <a:solidFill>
                   <a:srgbClr val="FFFFFF"/>
                 </a:solidFill>
               </a14:hiddenFill>
             </a:ext>
             <a:ext uri="{91240B29-F687-4f45-9708-019B960494DF}">
-              <a14:hiddenLine xmlns:a14="http://schemas.microsoft.com/office/drawing/2010/main" xmlns="" w="12700" cap="flat" cmpd="sng">
+              <a14:hiddenLine xmlns="" xmlns:a14="http://schemas.microsoft.com/office/drawing/2010/main" w="12700" cap="flat" cmpd="sng">
                 <a:solidFill>
                   <a:srgbClr val="000000"/>
                 </a:solidFill>
@@ -25842,7 +25842,7 @@
               </a14:hiddenLine>
             </a:ext>
             <a:ext uri="{AF507438-7753-43e0-B8FC-AC1667EBCBE1}">
-              <a14:hiddenEffects xmlns:a14="http://schemas.microsoft.com/office/drawing/2010/main" xmlns="">
+              <a14:hiddenEffects xmlns="" xmlns:a14="http://schemas.microsoft.com/office/drawing/2010/main">
                 <a:effectLst>
                   <a:outerShdw blurRad="63500" dist="38099" dir="2700000" algn="ctr" rotWithShape="0">
                     <a:srgbClr val="000000">
@@ -26135,14 +26135,14 @@
           <a:effectLst/>
           <a:extLst>
             <a:ext uri="{909E8E84-426E-40dd-AFC4-6F175D3DCCD1}">
-              <a14:hiddenFill xmlns:a14="http://schemas.microsoft.com/office/drawing/2010/main" xmlns="">
+              <a14:hiddenFill xmlns="" xmlns:a14="http://schemas.microsoft.com/office/drawing/2010/main">
                 <a:solidFill>
                   <a:srgbClr val="FFFFFF"/>
                 </a:solidFill>
               </a14:hiddenFill>
             </a:ext>
             <a:ext uri="{91240B29-F687-4f45-9708-019B960494DF}">
-              <a14:hiddenLine xmlns:a14="http://schemas.microsoft.com/office/drawing/2010/main" xmlns="" w="12700" cap="flat" cmpd="sng">
+              <a14:hiddenLine xmlns="" xmlns:a14="http://schemas.microsoft.com/office/drawing/2010/main" w="12700" cap="flat" cmpd="sng">
                 <a:solidFill>
                   <a:srgbClr val="000000"/>
                 </a:solidFill>
@@ -26153,7 +26153,7 @@
               </a14:hiddenLine>
             </a:ext>
             <a:ext uri="{AF507438-7753-43e0-B8FC-AC1667EBCBE1}">
-              <a14:hiddenEffects xmlns:a14="http://schemas.microsoft.com/office/drawing/2010/main" xmlns="">
+              <a14:hiddenEffects xmlns="" xmlns:a14="http://schemas.microsoft.com/office/drawing/2010/main">
                 <a:effectLst>
                   <a:outerShdw blurRad="63500" dist="38099" dir="2700000" algn="ctr" rotWithShape="0">
                     <a:srgbClr val="000000">
@@ -27563,7 +27563,7 @@
         <p:spPr bwMode="auto">
           <a:xfrm>
             <a:off x="1457321" y="926568"/>
-            <a:ext cx="6757524" cy="4034114"/>
+            <a:ext cx="6757524" cy="3511617"/>
           </a:xfrm>
           <a:custGeom>
             <a:avLst/>
@@ -27618,14 +27618,14 @@
           <a:effectLst/>
           <a:extLst>
             <a:ext uri="{909E8E84-426E-40dd-AFC4-6F175D3DCCD1}">
-              <a14:hiddenFill xmlns:a14="http://schemas.microsoft.com/office/drawing/2010/main" xmlns="">
+              <a14:hiddenFill xmlns="" xmlns:a14="http://schemas.microsoft.com/office/drawing/2010/main">
                 <a:solidFill>
                   <a:srgbClr val="FFFFFF"/>
                 </a:solidFill>
               </a14:hiddenFill>
             </a:ext>
             <a:ext uri="{91240B29-F687-4f45-9708-019B960494DF}">
-              <a14:hiddenLine xmlns:a14="http://schemas.microsoft.com/office/drawing/2010/main" xmlns="" w="12700" cap="flat" cmpd="sng">
+              <a14:hiddenLine xmlns="" xmlns:a14="http://schemas.microsoft.com/office/drawing/2010/main" w="12700" cap="flat" cmpd="sng">
                 <a:solidFill>
                   <a:srgbClr val="000000"/>
                 </a:solidFill>
@@ -27636,7 +27636,7 @@
               </a14:hiddenLine>
             </a:ext>
             <a:ext uri="{AF507438-7753-43e0-B8FC-AC1667EBCBE1}">
-              <a14:hiddenEffects xmlns:a14="http://schemas.microsoft.com/office/drawing/2010/main" xmlns="">
+              <a14:hiddenEffects xmlns="" xmlns:a14="http://schemas.microsoft.com/office/drawing/2010/main">
                 <a:effectLst>
                   <a:outerShdw blurRad="63500" dist="38099" dir="2700000" algn="ctr" rotWithShape="0">
                     <a:srgbClr val="000000">
@@ -27704,7 +27704,7 @@
                 <a:cs typeface="Helvetica Neue"/>
                 <a:sym typeface="Courier" charset="0"/>
               </a:rPr>
-              <a:t>	body text,				</a:t>
+              <a:t>	body text,	</a:t>
             </a:r>
             <a:r>
               <a:rPr lang="en-US" dirty="0" smtClean="0">
@@ -27781,7 +27781,7 @@
                 <a:cs typeface="Helvetica Neue"/>
                 <a:sym typeface="Courier" charset="0"/>
               </a:rPr>
-              <a:t> date,					</a:t>
+              <a:t> date,	</a:t>
             </a:r>
             <a:r>
               <a:rPr lang="en-US" dirty="0" smtClean="0">
@@ -27858,7 +27858,7 @@
                 <a:cs typeface="Helvetica Neue"/>
                 <a:sym typeface="Courier" charset="0"/>
               </a:rPr>
-              <a:t> text,						// social channel</a:t>
+              <a:t> text,		// social channel</a:t>
             </a:r>
           </a:p>
           <a:p>
@@ -27921,7 +27921,7 @@
                 <a:cs typeface="Helvetica Neue"/>
                 <a:sym typeface="Courier" charset="0"/>
               </a:rPr>
-              <a:t>,						// customer referenced</a:t>
+              <a:t>,		// customer referenced</a:t>
             </a:r>
           </a:p>
           <a:p>
@@ -27984,7 +27984,7 @@
                 <a:cs typeface="Helvetica Neue"/>
                 <a:sym typeface="Courier" charset="0"/>
               </a:rPr>
-              <a:t>,					// sentiment indicator</a:t>
+              <a:t>,		// sentiment indicator</a:t>
             </a:r>
           </a:p>
           <a:p>
@@ -28120,7 +28120,21 @@
                 <a:cs typeface="Helvetica Neue"/>
                 <a:sym typeface="Courier" charset="0"/>
               </a:rPr>
-              <a:t>				PRIMARY KEY (</a:t>
+              <a:t>PRIMARY </a:t>
+            </a:r>
+            <a:r>
+              <a:rPr lang="en-US" dirty="0" smtClean="0">
+                <a:solidFill>
+                  <a:schemeClr val="tx1">
+                    <a:lumMod val="75000"/>
+                    <a:lumOff val="25000"/>
+                  </a:schemeClr>
+                </a:solidFill>
+                <a:latin typeface="Helvetica Neue"/>
+                <a:cs typeface="Helvetica Neue"/>
+                <a:sym typeface="Courier" charset="0"/>
+              </a:rPr>
+              <a:t>KEY (</a:t>
             </a:r>
             <a:r>
               <a:rPr lang="en-US" dirty="0" err="1" smtClean="0">
@@ -28180,7 +28194,7 @@
                 <a:cs typeface="Helvetica Neue"/>
                 <a:sym typeface="Courier" charset="0"/>
               </a:rPr>
-              <a:t>				PRIMARY </a:t>
+              <a:t>PRIMARY </a:t>
             </a:r>
             <a:r>
               <a:rPr lang="en-US" dirty="0">
@@ -28268,7 +28282,7 @@
                 <a:cs typeface="Helvetica Neue"/>
                 <a:sym typeface="Courier" charset="0"/>
               </a:rPr>
-              <a:t>				PRIMARY </a:t>
+              <a:t>PRIMARY </a:t>
             </a:r>
             <a:r>
               <a:rPr lang="en-US" dirty="0">
@@ -28345,7 +28359,7 @@
                 <a:cs typeface="Helvetica Neue"/>
                 <a:sym typeface="Courier" charset="0"/>
               </a:rPr>
-              <a:t>				PRIMARY </a:t>
+              <a:t>PRIMARY </a:t>
             </a:r>
             <a:r>
               <a:rPr lang="en-US" dirty="0">
@@ -28422,7 +28436,7 @@
                 <a:cs typeface="Helvetica Neue"/>
                 <a:sym typeface="Courier" charset="0"/>
               </a:rPr>
-              <a:t>				PRIMARY </a:t>
+              <a:t>PRIMARY </a:t>
             </a:r>
             <a:r>
               <a:rPr lang="en-US" dirty="0">
@@ -28891,14 +28905,14 @@
           <a:effectLst/>
           <a:extLst>
             <a:ext uri="{909E8E84-426E-40dd-AFC4-6F175D3DCCD1}">
-              <a14:hiddenFill xmlns:a14="http://schemas.microsoft.com/office/drawing/2010/main" xmlns="">
+              <a14:hiddenFill xmlns="" xmlns:a14="http://schemas.microsoft.com/office/drawing/2010/main">
                 <a:solidFill>
                   <a:srgbClr val="FFFFFF"/>
                 </a:solidFill>
               </a14:hiddenFill>
             </a:ext>
             <a:ext uri="{91240B29-F687-4f45-9708-019B960494DF}">
-              <a14:hiddenLine xmlns:a14="http://schemas.microsoft.com/office/drawing/2010/main" xmlns="" w="12700" cap="flat" cmpd="sng">
+              <a14:hiddenLine xmlns="" xmlns:a14="http://schemas.microsoft.com/office/drawing/2010/main" w="12700" cap="flat" cmpd="sng">
                 <a:solidFill>
                   <a:srgbClr val="000000"/>
                 </a:solidFill>
@@ -28909,7 +28923,7 @@
               </a14:hiddenLine>
             </a:ext>
             <a:ext uri="{AF507438-7753-43e0-B8FC-AC1667EBCBE1}">
-              <a14:hiddenEffects xmlns:a14="http://schemas.microsoft.com/office/drawing/2010/main" xmlns="">
+              <a14:hiddenEffects xmlns="" xmlns:a14="http://schemas.microsoft.com/office/drawing/2010/main">
                 <a:effectLst>
                   <a:outerShdw blurRad="63500" dist="38099" dir="2700000" algn="ctr" rotWithShape="0">
                     <a:srgbClr val="000000">
@@ -30527,14 +30541,14 @@
           <a:effectLst/>
           <a:extLst>
             <a:ext uri="{909E8E84-426E-40dd-AFC4-6F175D3DCCD1}">
-              <a14:hiddenFill xmlns:a14="http://schemas.microsoft.com/office/drawing/2010/main" xmlns="">
+              <a14:hiddenFill xmlns="" xmlns:a14="http://schemas.microsoft.com/office/drawing/2010/main">
                 <a:solidFill>
                   <a:srgbClr val="FFFFFF"/>
                 </a:solidFill>
               </a14:hiddenFill>
             </a:ext>
             <a:ext uri="{91240B29-F687-4f45-9708-019B960494DF}">
-              <a14:hiddenLine xmlns:a14="http://schemas.microsoft.com/office/drawing/2010/main" xmlns="" w="12700" cap="flat" cmpd="sng">
+              <a14:hiddenLine xmlns="" xmlns:a14="http://schemas.microsoft.com/office/drawing/2010/main" w="12700" cap="flat" cmpd="sng">
                 <a:solidFill>
                   <a:srgbClr val="000000"/>
                 </a:solidFill>
@@ -30545,7 +30559,7 @@
               </a14:hiddenLine>
             </a:ext>
             <a:ext uri="{AF507438-7753-43e0-B8FC-AC1667EBCBE1}">
-              <a14:hiddenEffects xmlns:a14="http://schemas.microsoft.com/office/drawing/2010/main" xmlns="">
+              <a14:hiddenEffects xmlns="" xmlns:a14="http://schemas.microsoft.com/office/drawing/2010/main">
                 <a:effectLst>
                   <a:outerShdw blurRad="63500" dist="38099" dir="2700000" algn="ctr" rotWithShape="0">
                     <a:srgbClr val="000000">
@@ -32100,14 +32114,14 @@
           <a:effectLst/>
           <a:extLst>
             <a:ext uri="{909E8E84-426E-40dd-AFC4-6F175D3DCCD1}">
-              <a14:hiddenFill xmlns:a14="http://schemas.microsoft.com/office/drawing/2010/main" xmlns="">
+              <a14:hiddenFill xmlns="" xmlns:a14="http://schemas.microsoft.com/office/drawing/2010/main">
                 <a:solidFill>
                   <a:srgbClr val="FFFFFF"/>
                 </a:solidFill>
               </a14:hiddenFill>
             </a:ext>
             <a:ext uri="{91240B29-F687-4f45-9708-019B960494DF}">
-              <a14:hiddenLine xmlns:a14="http://schemas.microsoft.com/office/drawing/2010/main" xmlns="" w="12700" cap="flat" cmpd="sng">
+              <a14:hiddenLine xmlns="" xmlns:a14="http://schemas.microsoft.com/office/drawing/2010/main" w="12700" cap="flat" cmpd="sng">
                 <a:solidFill>
                   <a:srgbClr val="000000"/>
                 </a:solidFill>
@@ -32118,7 +32132,7 @@
               </a14:hiddenLine>
             </a:ext>
             <a:ext uri="{AF507438-7753-43e0-B8FC-AC1667EBCBE1}">
-              <a14:hiddenEffects xmlns:a14="http://schemas.microsoft.com/office/drawing/2010/main" xmlns="">
+              <a14:hiddenEffects xmlns="" xmlns:a14="http://schemas.microsoft.com/office/drawing/2010/main">
                 <a:effectLst>
                   <a:outerShdw blurRad="63500" dist="38099" dir="2700000" algn="ctr" rotWithShape="0">
                     <a:srgbClr val="000000">
@@ -33744,14 +33758,14 @@
           <a:effectLst/>
           <a:extLst>
             <a:ext uri="{909E8E84-426E-40dd-AFC4-6F175D3DCCD1}">
-              <a14:hiddenFill xmlns:a14="http://schemas.microsoft.com/office/drawing/2010/main" xmlns="">
+              <a14:hiddenFill xmlns="" xmlns:a14="http://schemas.microsoft.com/office/drawing/2010/main">
                 <a:solidFill>
                   <a:srgbClr val="FFFFFF"/>
                 </a:solidFill>
               </a14:hiddenFill>
             </a:ext>
             <a:ext uri="{91240B29-F687-4f45-9708-019B960494DF}">
-              <a14:hiddenLine xmlns:a14="http://schemas.microsoft.com/office/drawing/2010/main" xmlns="" w="12700" cap="flat" cmpd="sng">
+              <a14:hiddenLine xmlns="" xmlns:a14="http://schemas.microsoft.com/office/drawing/2010/main" w="12700" cap="flat" cmpd="sng">
                 <a:solidFill>
                   <a:srgbClr val="000000"/>
                 </a:solidFill>
@@ -33762,7 +33776,7 @@
               </a14:hiddenLine>
             </a:ext>
             <a:ext uri="{AF507438-7753-43e0-B8FC-AC1667EBCBE1}">
-              <a14:hiddenEffects xmlns:a14="http://schemas.microsoft.com/office/drawing/2010/main" xmlns="">
+              <a14:hiddenEffects xmlns="" xmlns:a14="http://schemas.microsoft.com/office/drawing/2010/main">
                 <a:effectLst>
                   <a:outerShdw blurRad="63500" dist="38099" dir="2700000" algn="ctr" rotWithShape="0">
                     <a:srgbClr val="000000">
@@ -35416,14 +35430,14 @@
           <a:effectLst/>
           <a:extLst>
             <a:ext uri="{909E8E84-426E-40dd-AFC4-6F175D3DCCD1}">
-              <a14:hiddenFill xmlns:a14="http://schemas.microsoft.com/office/drawing/2010/main" xmlns="">
+              <a14:hiddenFill xmlns="" xmlns:a14="http://schemas.microsoft.com/office/drawing/2010/main">
                 <a:solidFill>
                   <a:schemeClr val="accent1"/>
                 </a:solidFill>
               </a14:hiddenFill>
             </a:ext>
             <a:ext uri="{91240B29-F687-4f45-9708-019B960494DF}">
-              <a14:hiddenLine xmlns:a14="http://schemas.microsoft.com/office/drawing/2010/main" xmlns="" w="9525">
+              <a14:hiddenLine xmlns="" xmlns:a14="http://schemas.microsoft.com/office/drawing/2010/main" w="9525">
                 <a:solidFill>
                   <a:schemeClr val="tx1"/>
                 </a:solidFill>
@@ -35433,7 +35447,7 @@
               </a14:hiddenLine>
             </a:ext>
             <a:ext uri="{AF507438-7753-43e0-B8FC-AC1667EBCBE1}">
-              <a14:hiddenEffects xmlns:a14="http://schemas.microsoft.com/office/drawing/2010/main" xmlns="">
+              <a14:hiddenEffects xmlns="" xmlns:a14="http://schemas.microsoft.com/office/drawing/2010/main">
                 <a:effectLst>
                   <a:outerShdw dist="35921" dir="2700000" algn="ctr" rotWithShape="0">
                     <a:schemeClr val="bg2"/>
